--- a/SOLID.pptx
+++ b/SOLID.pptx
@@ -5,25 +5,27 @@
     <p:sldMasterId id="2147483660" r:id="rId2"/>
   </p:sldMasterIdLst>
   <p:notesMasterIdLst>
-    <p:notesMasterId r:id="rId16"/>
+    <p:notesMasterId r:id="rId18"/>
   </p:notesMasterIdLst>
   <p:handoutMasterIdLst>
-    <p:handoutMasterId r:id="rId17"/>
+    <p:handoutMasterId r:id="rId19"/>
   </p:handoutMasterIdLst>
   <p:sldIdLst>
-    <p:sldId id="274" r:id="rId3"/>
-    <p:sldId id="275" r:id="rId4"/>
-    <p:sldId id="276" r:id="rId5"/>
-    <p:sldId id="277" r:id="rId6"/>
-    <p:sldId id="278" r:id="rId7"/>
-    <p:sldId id="279" r:id="rId8"/>
-    <p:sldId id="280" r:id="rId9"/>
-    <p:sldId id="265" r:id="rId10"/>
-    <p:sldId id="269" r:id="rId11"/>
-    <p:sldId id="270" r:id="rId12"/>
-    <p:sldId id="271" r:id="rId13"/>
-    <p:sldId id="272" r:id="rId14"/>
-    <p:sldId id="273" r:id="rId15"/>
+    <p:sldId id="281" r:id="rId3"/>
+    <p:sldId id="282" r:id="rId4"/>
+    <p:sldId id="274" r:id="rId5"/>
+    <p:sldId id="275" r:id="rId6"/>
+    <p:sldId id="276" r:id="rId7"/>
+    <p:sldId id="277" r:id="rId8"/>
+    <p:sldId id="278" r:id="rId9"/>
+    <p:sldId id="279" r:id="rId10"/>
+    <p:sldId id="280" r:id="rId11"/>
+    <p:sldId id="265" r:id="rId12"/>
+    <p:sldId id="269" r:id="rId13"/>
+    <p:sldId id="270" r:id="rId14"/>
+    <p:sldId id="271" r:id="rId15"/>
+    <p:sldId id="272" r:id="rId16"/>
+    <p:sldId id="273" r:id="rId17"/>
   </p:sldIdLst>
   <p:sldSz cx="12188825" cy="6858000"/>
   <p:notesSz cx="6858000" cy="9144000"/>
@@ -124,7 +126,7 @@
   </p:defaultTextStyle>
   <p:extLst>
     <p:ext uri="{EFAFB233-063F-42B5-8137-9DF3F51BA10A}">
-      <p15:sldGuideLst xmlns:p15="http://schemas.microsoft.com/office/powerpoint/2012/main" xmlns="">
+      <p15:sldGuideLst xmlns="" xmlns:p15="http://schemas.microsoft.com/office/powerpoint/2012/main">
         <p15:guide id="1" orient="horz" pos="2160">
           <p15:clr>
             <a:srgbClr val="A4A3A4"/>
@@ -138,7 +140,7 @@
       </p15:sldGuideLst>
     </p:ext>
     <p:ext uri="{2D200454-40CA-4A62-9FC3-DE9A4176ACB9}">
-      <p15:notesGuideLst xmlns:p15="http://schemas.microsoft.com/office/powerpoint/2012/main" xmlns=""/>
+      <p15:notesGuideLst xmlns="" xmlns:p15="http://schemas.microsoft.com/office/powerpoint/2012/main"/>
     </p:ext>
   </p:extLst>
 </p:presentation>
@@ -226,7 +228,7 @@
           <a:p>
             <a:fld id="{24CE221E-83ED-4F6C-BA5F-3F9E6FDB6953}" type="datetimeFigureOut">
               <a:rPr lang="en-US"/>
-              <a:t>5/7/2014</a:t>
+              <a:t>5/22/2014</a:t>
             </a:fld>
             <a:endParaRPr/>
           </a:p>
@@ -391,7 +393,7 @@
           <a:p>
             <a:fld id="{97853E5F-CE67-483C-A264-F17AC70E9CA2}" type="datetimeFigureOut">
               <a:rPr lang="en-US"/>
-              <a:t>5/7/2014</a:t>
+              <a:t>5/22/2014</a:t>
             </a:fld>
             <a:endParaRPr/>
           </a:p>
@@ -839,7 +841,7 @@
           <a:p>
             <a:fld id="{3E0FA9E5-6744-4841-888F-9E7CC0C2B7EC}" type="datetimeFigureOut">
               <a:rPr lang="en-US" smtClean="0"/>
-              <a:t>5/7/2014</a:t>
+              <a:t>5/22/2014</a:t>
             </a:fld>
             <a:endParaRPr lang="en-US"/>
           </a:p>
@@ -1028,7 +1030,7 @@
           <a:p>
             <a:fld id="{3E0FA9E5-6744-4841-888F-9E7CC0C2B7EC}" type="datetimeFigureOut">
               <a:rPr lang="en-US" smtClean="0"/>
-              <a:t>5/7/2014</a:t>
+              <a:t>5/22/2014</a:t>
             </a:fld>
             <a:endParaRPr lang="en-US"/>
           </a:p>
@@ -1227,7 +1229,7 @@
           <a:p>
             <a:fld id="{3E0FA9E5-6744-4841-888F-9E7CC0C2B7EC}" type="datetimeFigureOut">
               <a:rPr lang="en-US" smtClean="0"/>
-              <a:t>5/7/2014</a:t>
+              <a:t>5/22/2014</a:t>
             </a:fld>
             <a:endParaRPr lang="en-US"/>
           </a:p>
@@ -1416,7 +1418,7 @@
           <a:p>
             <a:fld id="{3E0FA9E5-6744-4841-888F-9E7CC0C2B7EC}" type="datetimeFigureOut">
               <a:rPr lang="en-US" smtClean="0"/>
-              <a:t>5/7/2014</a:t>
+              <a:t>5/22/2014</a:t>
             </a:fld>
             <a:endParaRPr lang="en-US"/>
           </a:p>
@@ -1681,7 +1683,7 @@
           <a:p>
             <a:fld id="{3E0FA9E5-6744-4841-888F-9E7CC0C2B7EC}" type="datetimeFigureOut">
               <a:rPr lang="en-US" smtClean="0"/>
-              <a:t>5/7/2014</a:t>
+              <a:t>5/22/2014</a:t>
             </a:fld>
             <a:endParaRPr lang="en-US"/>
           </a:p>
@@ -1988,7 +1990,7 @@
           <a:p>
             <a:fld id="{3E0FA9E5-6744-4841-888F-9E7CC0C2B7EC}" type="datetimeFigureOut">
               <a:rPr lang="en-US" smtClean="0"/>
-              <a:t>5/7/2014</a:t>
+              <a:t>5/22/2014</a:t>
             </a:fld>
             <a:endParaRPr lang="en-US"/>
           </a:p>
@@ -2434,7 +2436,7 @@
           <a:p>
             <a:fld id="{3E0FA9E5-6744-4841-888F-9E7CC0C2B7EC}" type="datetimeFigureOut">
               <a:rPr lang="en-US" smtClean="0"/>
-              <a:t>5/7/2014</a:t>
+              <a:t>5/22/2014</a:t>
             </a:fld>
             <a:endParaRPr lang="en-US"/>
           </a:p>
@@ -2571,7 +2573,7 @@
           <a:p>
             <a:fld id="{3E0FA9E5-6744-4841-888F-9E7CC0C2B7EC}" type="datetimeFigureOut">
               <a:rPr lang="en-US" smtClean="0"/>
-              <a:t>5/7/2014</a:t>
+              <a:t>5/22/2014</a:t>
             </a:fld>
             <a:endParaRPr lang="en-US"/>
           </a:p>
@@ -2685,7 +2687,7 @@
           <a:p>
             <a:fld id="{3E0FA9E5-6744-4841-888F-9E7CC0C2B7EC}" type="datetimeFigureOut">
               <a:rPr lang="en-US" smtClean="0"/>
-              <a:t>5/7/2014</a:t>
+              <a:t>5/22/2014</a:t>
             </a:fld>
             <a:endParaRPr lang="en-US"/>
           </a:p>
@@ -2981,7 +2983,7 @@
           <a:p>
             <a:fld id="{3E0FA9E5-6744-4841-888F-9E7CC0C2B7EC}" type="datetimeFigureOut">
               <a:rPr lang="en-US" smtClean="0"/>
-              <a:t>5/7/2014</a:t>
+              <a:t>5/22/2014</a:t>
             </a:fld>
             <a:endParaRPr lang="en-US"/>
           </a:p>
@@ -3253,7 +3255,7 @@
           <a:p>
             <a:fld id="{E5BB3F5F-1464-4841-975D-42E3C0AE73A4}" type="datetimeFigureOut">
               <a:rPr lang="en-GB" smtClean="0"/>
-              <a:t>07/05/2014</a:t>
+              <a:t>22/05/2014</a:t>
             </a:fld>
             <a:endParaRPr lang="en-GB"/>
           </a:p>
@@ -3486,7 +3488,7 @@
             <a:fld id="{3E0FA9E5-6744-4841-888F-9E7CC0C2B7EC}" type="datetimeFigureOut">
               <a:rPr lang="en-US" smtClean="0"/>
               <a:pPr/>
-              <a:t>5/7/2014</a:t>
+              <a:t>5/22/2014</a:t>
             </a:fld>
             <a:endParaRPr lang="en-US"/>
           </a:p>
@@ -3897,58 +3899,50 @@
           <a:lstStyle/>
           <a:p>
             <a:r>
+              <a:rPr lang="en-GB" dirty="0" err="1" smtClean="0"/>
+              <a:t>Cyclomatic</a:t>
+            </a:r>
+            <a:r>
               <a:rPr lang="en-GB" dirty="0" smtClean="0"/>
-              <a:t>IOC Containers</a:t>
+              <a:t> Complexity</a:t>
             </a:r>
             <a:endParaRPr lang="en-GB" dirty="0"/>
           </a:p>
         </p:txBody>
       </p:sp>
-      <p:sp>
-        <p:nvSpPr>
-          <p:cNvPr id="3" name="Content Placeholder 2"/>
-          <p:cNvSpPr>
-            <a:spLocks noGrp="1"/>
-          </p:cNvSpPr>
+      <p:pic>
+        <p:nvPicPr>
+          <p:cNvPr id="4" name="Content Placeholder 3"/>
+          <p:cNvPicPr>
+            <a:picLocks noGrp="1" noChangeAspect="1"/>
+          </p:cNvPicPr>
           <p:nvPr>
             <p:ph idx="1"/>
           </p:nvPr>
-        </p:nvSpPr>
-        <p:spPr/>
-        <p:txBody>
-          <a:bodyPr/>
-          <a:lstStyle/>
-          <a:p>
-            <a:r>
-              <a:rPr lang="en-GB" dirty="0" smtClean="0"/>
-              <a:t>IOC = Inversion Of Control</a:t>
-            </a:r>
-          </a:p>
-          <a:p>
-            <a:r>
-              <a:rPr lang="en-GB" dirty="0" smtClean="0"/>
-              <a:t>Instead of creating objects in code, the container does it for you</a:t>
-            </a:r>
-          </a:p>
-          <a:p>
-            <a:r>
-              <a:rPr lang="en-GB" dirty="0" smtClean="0"/>
-              <a:t>Promotes loose coupling</a:t>
-            </a:r>
-          </a:p>
-          <a:p>
-            <a:r>
-              <a:rPr lang="en-GB" dirty="0" smtClean="0"/>
-              <a:t>Manages object lifetime, including disposal</a:t>
-            </a:r>
-            <a:endParaRPr lang="en-GB" dirty="0"/>
-          </a:p>
-        </p:txBody>
-      </p:sp>
+        </p:nvPicPr>
+        <p:blipFill>
+          <a:blip r:embed="rId2">
+            <a:extLst>
+              <a:ext uri="{28A0092B-C50C-407E-A947-70E740481C1C}">
+                <a14:useLocalDpi xmlns:a14="http://schemas.microsoft.com/office/drawing/2010/main" val="0"/>
+              </a:ext>
+            </a:extLst>
+          </a:blip>
+          <a:stretch>
+            <a:fillRect/>
+          </a:stretch>
+        </p:blipFill>
+        <p:spPr>
+          <a:xfrm>
+            <a:off x="3358108" y="1268760"/>
+            <a:ext cx="5409244" cy="5292498"/>
+          </a:xfrm>
+        </p:spPr>
+      </p:pic>
     </p:spTree>
     <p:extLst>
       <p:ext uri="{BB962C8B-B14F-4D97-AF65-F5344CB8AC3E}">
-        <p14:creationId xmlns:p14="http://schemas.microsoft.com/office/powerpoint/2010/main" val="3202056037"/>
+        <p14:creationId xmlns:p14="http://schemas.microsoft.com/office/powerpoint/2010/main" val="3137620302"/>
       </p:ext>
     </p:extLst>
   </p:cSld>
@@ -3971,6 +3965,223 @@
 </file>
 
 <file path=ppt/slides/slide10.xml><?xml version="1.0" encoding="utf-8"?>
+<p:sld xmlns:a="http://schemas.openxmlformats.org/drawingml/2006/main" xmlns:r="http://schemas.openxmlformats.org/officeDocument/2006/relationships" xmlns:p="http://schemas.openxmlformats.org/presentationml/2006/main">
+  <p:cSld>
+    <p:spTree>
+      <p:nvGrpSpPr>
+        <p:cNvPr id="1" name=""/>
+        <p:cNvGrpSpPr/>
+        <p:nvPr/>
+      </p:nvGrpSpPr>
+      <p:grpSpPr>
+        <a:xfrm>
+          <a:off x="0" y="0"/>
+          <a:ext cx="0" cy="0"/>
+          <a:chOff x="0" y="0"/>
+          <a:chExt cx="0" cy="0"/>
+        </a:xfrm>
+      </p:grpSpPr>
+      <p:sp>
+        <p:nvSpPr>
+          <p:cNvPr id="13" name="Title 12"/>
+          <p:cNvSpPr>
+            <a:spLocks noGrp="1"/>
+          </p:cNvSpPr>
+          <p:nvPr>
+            <p:ph type="title"/>
+          </p:nvPr>
+        </p:nvSpPr>
+        <p:spPr/>
+        <p:txBody>
+          <a:bodyPr/>
+          <a:lstStyle/>
+          <a:p>
+            <a:r>
+              <a:rPr lang="en-US" dirty="0" smtClean="0"/>
+              <a:t>The SOLID Principles</a:t>
+            </a:r>
+            <a:endParaRPr lang="en-US" dirty="0"/>
+          </a:p>
+        </p:txBody>
+      </p:sp>
+      <p:sp>
+        <p:nvSpPr>
+          <p:cNvPr id="14" name="Content Placeholder 13"/>
+          <p:cNvSpPr>
+            <a:spLocks noGrp="1"/>
+          </p:cNvSpPr>
+          <p:nvPr>
+            <p:ph idx="1"/>
+          </p:nvPr>
+        </p:nvSpPr>
+        <p:spPr/>
+        <p:txBody>
+          <a:bodyPr>
+            <a:normAutofit/>
+          </a:bodyPr>
+          <a:lstStyle/>
+          <a:p>
+            <a:r>
+              <a:rPr lang="en-US" sz="4800" b="1" dirty="0" smtClean="0"/>
+              <a:t>S</a:t>
+            </a:r>
+            <a:r>
+              <a:rPr lang="en-US" sz="4800" dirty="0" smtClean="0"/>
+              <a:t>ingle responsibility</a:t>
+            </a:r>
+          </a:p>
+          <a:p>
+            <a:r>
+              <a:rPr lang="en-US" sz="4800" b="1" dirty="0" smtClean="0"/>
+              <a:t>O</a:t>
+            </a:r>
+            <a:r>
+              <a:rPr lang="en-US" sz="4800" dirty="0" smtClean="0"/>
+              <a:t>pen closed</a:t>
+            </a:r>
+          </a:p>
+          <a:p>
+            <a:r>
+              <a:rPr lang="en-US" sz="4800" b="1" dirty="0" err="1" smtClean="0"/>
+              <a:t>L</a:t>
+            </a:r>
+            <a:r>
+              <a:rPr lang="en-US" sz="4800" dirty="0" err="1" smtClean="0"/>
+              <a:t>iskov</a:t>
+            </a:r>
+            <a:r>
+              <a:rPr lang="en-US" sz="4800" dirty="0" smtClean="0"/>
+              <a:t> substitution</a:t>
+            </a:r>
+          </a:p>
+          <a:p>
+            <a:r>
+              <a:rPr lang="en-US" sz="4800" b="1" dirty="0" smtClean="0"/>
+              <a:t>I</a:t>
+            </a:r>
+            <a:r>
+              <a:rPr lang="en-US" sz="4800" dirty="0" smtClean="0"/>
+              <a:t>nterface segregation </a:t>
+            </a:r>
+          </a:p>
+          <a:p>
+            <a:r>
+              <a:rPr lang="en-US" sz="4800" b="1" dirty="0" smtClean="0"/>
+              <a:t>D</a:t>
+            </a:r>
+            <a:r>
+              <a:rPr lang="en-US" sz="4800" dirty="0" smtClean="0"/>
+              <a:t>ependency Inversion</a:t>
+            </a:r>
+            <a:endParaRPr lang="en-US" sz="4800" dirty="0"/>
+          </a:p>
+        </p:txBody>
+      </p:sp>
+    </p:spTree>
+    <p:extLst>
+      <p:ext uri="{BB962C8B-B14F-4D97-AF65-F5344CB8AC3E}">
+        <p14:creationId xmlns:p14="http://schemas.microsoft.com/office/powerpoint/2010/main" val="1437231395"/>
+      </p:ext>
+    </p:extLst>
+  </p:cSld>
+  <p:clrMapOvr>
+    <a:masterClrMapping/>
+  </p:clrMapOvr>
+  <mc:AlternateContent xmlns:mc="http://schemas.openxmlformats.org/markup-compatibility/2006" xmlns:p14="http://schemas.microsoft.com/office/powerpoint/2010/main">
+    <mc:Choice Requires="p14">
+      <p:transition spd="med" p14:dur="700">
+        <p:fade/>
+      </p:transition>
+    </mc:Choice>
+    <mc:Fallback xmlns="">
+      <p:transition spd="med">
+        <p:fade/>
+      </p:transition>
+    </mc:Fallback>
+  </mc:AlternateContent>
+  <p:timing>
+    <p:tnLst>
+      <p:par>
+        <p:cTn id="1" dur="indefinite" restart="never" nodeType="tmRoot"/>
+      </p:par>
+    </p:tnLst>
+  </p:timing>
+</p:sld>
+</file>
+
+<file path=ppt/slides/slide11.xml><?xml version="1.0" encoding="utf-8"?>
+<p:sld xmlns:a="http://schemas.openxmlformats.org/drawingml/2006/main" xmlns:r="http://schemas.openxmlformats.org/officeDocument/2006/relationships" xmlns:p="http://schemas.openxmlformats.org/presentationml/2006/main">
+  <p:cSld>
+    <p:spTree>
+      <p:nvGrpSpPr>
+        <p:cNvPr id="1" name=""/>
+        <p:cNvGrpSpPr/>
+        <p:nvPr/>
+      </p:nvGrpSpPr>
+      <p:grpSpPr>
+        <a:xfrm>
+          <a:off x="0" y="0"/>
+          <a:ext cx="0" cy="0"/>
+          <a:chOff x="0" y="0"/>
+          <a:chExt cx="0" cy="0"/>
+        </a:xfrm>
+      </p:grpSpPr>
+      <p:pic>
+        <p:nvPicPr>
+          <p:cNvPr id="4" name="Picture 3"/>
+          <p:cNvPicPr>
+            <a:picLocks noChangeAspect="1"/>
+          </p:cNvPicPr>
+          <p:nvPr/>
+        </p:nvPicPr>
+        <p:blipFill>
+          <a:blip r:embed="rId2">
+            <a:extLst>
+              <a:ext uri="{28A0092B-C50C-407E-A947-70E740481C1C}">
+                <a14:useLocalDpi xmlns:a14="http://schemas.microsoft.com/office/drawing/2010/main" val="0"/>
+              </a:ext>
+            </a:extLst>
+          </a:blip>
+          <a:stretch>
+            <a:fillRect/>
+          </a:stretch>
+        </p:blipFill>
+        <p:spPr>
+          <a:xfrm>
+            <a:off x="2205980" y="476672"/>
+            <a:ext cx="7620000" cy="5715000"/>
+          </a:xfrm>
+          <a:prstGeom prst="rect">
+            <a:avLst/>
+          </a:prstGeom>
+        </p:spPr>
+      </p:pic>
+    </p:spTree>
+    <p:extLst>
+      <p:ext uri="{BB962C8B-B14F-4D97-AF65-F5344CB8AC3E}">
+        <p14:creationId xmlns:p14="http://schemas.microsoft.com/office/powerpoint/2010/main" val="4131172139"/>
+      </p:ext>
+    </p:extLst>
+  </p:cSld>
+  <p:clrMapOvr>
+    <a:masterClrMapping/>
+  </p:clrMapOvr>
+  <mc:AlternateContent xmlns:mc="http://schemas.openxmlformats.org/markup-compatibility/2006" xmlns:p14="http://schemas.microsoft.com/office/powerpoint/2010/main">
+    <mc:Choice Requires="p14">
+      <p:transition spd="med" p14:dur="700">
+        <p:fade/>
+      </p:transition>
+    </mc:Choice>
+    <mc:Fallback xmlns="">
+      <p:transition spd="med">
+        <p:fade/>
+      </p:transition>
+    </mc:Fallback>
+  </mc:AlternateContent>
+</p:sld>
+</file>
+
+<file path=ppt/slides/slide12.xml><?xml version="1.0" encoding="utf-8"?>
 <p:sld xmlns:a="http://schemas.openxmlformats.org/drawingml/2006/main" xmlns:r="http://schemas.openxmlformats.org/officeDocument/2006/relationships" xmlns:p="http://schemas.openxmlformats.org/presentationml/2006/main">
   <p:cSld>
     <p:spTree>
@@ -4042,7 +4253,7 @@
 </p:sld>
 </file>
 
-<file path=ppt/slides/slide11.xml><?xml version="1.0" encoding="utf-8"?>
+<file path=ppt/slides/slide13.xml><?xml version="1.0" encoding="utf-8"?>
 <p:sld xmlns:a="http://schemas.openxmlformats.org/drawingml/2006/main" xmlns:r="http://schemas.openxmlformats.org/officeDocument/2006/relationships" xmlns:p="http://schemas.openxmlformats.org/presentationml/2006/main">
   <p:cSld>
     <p:spTree>
@@ -4114,7 +4325,7 @@
 </p:sld>
 </file>
 
-<file path=ppt/slides/slide12.xml><?xml version="1.0" encoding="utf-8"?>
+<file path=ppt/slides/slide14.xml><?xml version="1.0" encoding="utf-8"?>
 <p:sld xmlns:a="http://schemas.openxmlformats.org/drawingml/2006/main" xmlns:r="http://schemas.openxmlformats.org/officeDocument/2006/relationships" xmlns:p="http://schemas.openxmlformats.org/presentationml/2006/main">
   <p:cSld>
     <p:spTree>
@@ -4186,7 +4397,7 @@
 </p:sld>
 </file>
 
-<file path=ppt/slides/slide13.xml><?xml version="1.0" encoding="utf-8"?>
+<file path=ppt/slides/slide15.xml><?xml version="1.0" encoding="utf-8"?>
 <p:sld xmlns:a="http://schemas.openxmlformats.org/drawingml/2006/main" xmlns:r="http://schemas.openxmlformats.org/officeDocument/2006/relationships" xmlns:p="http://schemas.openxmlformats.org/presentationml/2006/main">
   <p:cSld>
     <p:spTree>
@@ -4292,53 +4503,45 @@
           <a:p>
             <a:r>
               <a:rPr lang="en-GB" dirty="0" smtClean="0"/>
-              <a:t>Object Creation</a:t>
+              <a:t>Hardwired Dependencies</a:t>
             </a:r>
             <a:endParaRPr lang="en-GB" dirty="0"/>
           </a:p>
         </p:txBody>
       </p:sp>
-      <p:sp>
-        <p:nvSpPr>
-          <p:cNvPr id="3" name="Content Placeholder 2"/>
-          <p:cNvSpPr>
-            <a:spLocks noGrp="1"/>
-          </p:cNvSpPr>
+      <p:pic>
+        <p:nvPicPr>
+          <p:cNvPr id="4" name="Content Placeholder 3"/>
+          <p:cNvPicPr>
+            <a:picLocks noGrp="1" noChangeAspect="1"/>
+          </p:cNvPicPr>
           <p:nvPr>
             <p:ph idx="1"/>
           </p:nvPr>
-        </p:nvSpPr>
-        <p:spPr/>
-        <p:txBody>
-          <a:bodyPr/>
-          <a:lstStyle/>
-          <a:p>
-            <a:r>
-              <a:rPr lang="en-GB" dirty="0" smtClean="0"/>
-              <a:t>Creates objects for you, and scans the constructor for ‘dependent’ objects.  Creates those too.</a:t>
-            </a:r>
-          </a:p>
-          <a:p>
-            <a:r>
-              <a:rPr lang="en-GB" dirty="0" smtClean="0"/>
-              <a:t>Effectively builds an object graph, then instantiates it</a:t>
-            </a:r>
-          </a:p>
-          <a:p>
-            <a:r>
-              <a:rPr lang="en-GB" dirty="0" smtClean="0"/>
-              <a:t>If it finds a Type it does not know about, the process throws an exception</a:t>
-            </a:r>
-          </a:p>
-          <a:p>
-            <a:endParaRPr lang="en-GB" dirty="0"/>
-          </a:p>
-        </p:txBody>
-      </p:sp>
+        </p:nvPicPr>
+        <p:blipFill>
+          <a:blip r:embed="rId2">
+            <a:extLst>
+              <a:ext uri="{28A0092B-C50C-407E-A947-70E740481C1C}">
+                <a14:useLocalDpi xmlns:a14="http://schemas.microsoft.com/office/drawing/2010/main" val="0"/>
+              </a:ext>
+            </a:extLst>
+          </a:blip>
+          <a:stretch>
+            <a:fillRect/>
+          </a:stretch>
+        </p:blipFill>
+        <p:spPr>
+          <a:xfrm>
+            <a:off x="3358108" y="1340768"/>
+            <a:ext cx="5631499" cy="5173861"/>
+          </a:xfrm>
+        </p:spPr>
+      </p:pic>
     </p:spTree>
     <p:extLst>
       <p:ext uri="{BB962C8B-B14F-4D97-AF65-F5344CB8AC3E}">
-        <p14:creationId xmlns:p14="http://schemas.microsoft.com/office/powerpoint/2010/main" val="2697815459"/>
+        <p14:creationId xmlns:p14="http://schemas.microsoft.com/office/powerpoint/2010/main" val="4230861196"/>
       </p:ext>
     </p:extLst>
   </p:cSld>
@@ -4394,7 +4597,7 @@
           <a:p>
             <a:r>
               <a:rPr lang="en-GB" dirty="0" smtClean="0"/>
-              <a:t>Object Lifetime</a:t>
+              <a:t>IOC Containers</a:t>
             </a:r>
             <a:endParaRPr lang="en-GB" dirty="0"/>
           </a:p>
@@ -4417,49 +4620,25 @@
           <a:p>
             <a:r>
               <a:rPr lang="en-GB" dirty="0" smtClean="0"/>
-              <a:t>Each type you want it to create must be registered at start-up with the container</a:t>
+              <a:t>IOC = Inversion Of Control</a:t>
             </a:r>
           </a:p>
           <a:p>
             <a:r>
               <a:rPr lang="en-GB" dirty="0" smtClean="0"/>
-              <a:t>The container needs to know how long the object should live..</a:t>
+              <a:t>Instead of creating objects in code, the container does it for you</a:t>
             </a:r>
           </a:p>
           <a:p>
             <a:r>
               <a:rPr lang="en-GB" dirty="0" smtClean="0"/>
-              <a:t>Transient – every time one is asked for, it creates a new one</a:t>
+              <a:t>Promotes loose coupling</a:t>
             </a:r>
           </a:p>
           <a:p>
             <a:r>
               <a:rPr lang="en-GB" dirty="0" smtClean="0"/>
-              <a:t>Singleton – Creates one, and only one.</a:t>
-            </a:r>
-          </a:p>
-          <a:p>
-            <a:r>
-              <a:rPr lang="en-GB" dirty="0" smtClean="0"/>
-              <a:t>Per Request – in asp.net this will create one per web request, which is equivalent to one per thread.</a:t>
-            </a:r>
-          </a:p>
-          <a:p>
-            <a:r>
-              <a:rPr lang="en-GB" dirty="0" smtClean="0"/>
-              <a:t>Each container </a:t>
-            </a:r>
-            <a:r>
-              <a:rPr lang="en-GB" smtClean="0"/>
-              <a:t>offers its own </a:t>
-            </a:r>
-            <a:r>
-              <a:rPr lang="en-GB" dirty="0" smtClean="0"/>
-              <a:t>variants such as ‘</a:t>
-            </a:r>
-            <a:r>
-              <a:rPr lang="en-GB" smtClean="0"/>
-              <a:t>per graph’</a:t>
+              <a:t>Manages object lifetime, including disposal</a:t>
             </a:r>
             <a:endParaRPr lang="en-GB" dirty="0"/>
           </a:p>
@@ -4468,7 +4647,7 @@
     </p:spTree>
     <p:extLst>
       <p:ext uri="{BB962C8B-B14F-4D97-AF65-F5344CB8AC3E}">
-        <p14:creationId xmlns:p14="http://schemas.microsoft.com/office/powerpoint/2010/main" val="152200012"/>
+        <p14:creationId xmlns:p14="http://schemas.microsoft.com/office/powerpoint/2010/main" val="3202056037"/>
       </p:ext>
     </p:extLst>
   </p:cSld>
@@ -4524,59 +4703,45 @@
           <a:p>
             <a:r>
               <a:rPr lang="en-GB" dirty="0" smtClean="0"/>
-              <a:t>How does this fit into </a:t>
-            </a:r>
-            <a:r>
-              <a:rPr lang="en-GB" dirty="0" err="1" smtClean="0"/>
-              <a:t>.net</a:t>
-            </a:r>
+              <a:t>Object Creation</a:t>
+            </a:r>
+            <a:endParaRPr lang="en-GB" dirty="0"/>
+          </a:p>
+        </p:txBody>
+      </p:sp>
+      <p:sp>
+        <p:nvSpPr>
+          <p:cNvPr id="3" name="Content Placeholder 2"/>
+          <p:cNvSpPr>
+            <a:spLocks noGrp="1"/>
+          </p:cNvSpPr>
+          <p:nvPr>
+            <p:ph idx="1"/>
+          </p:nvPr>
+        </p:nvSpPr>
+        <p:spPr/>
+        <p:txBody>
+          <a:bodyPr/>
+          <a:lstStyle/>
+          <a:p>
             <a:r>
               <a:rPr lang="en-GB" dirty="0" smtClean="0"/>
-              <a:t>?</a:t>
-            </a:r>
-            <a:endParaRPr lang="en-GB" dirty="0"/>
-          </a:p>
-        </p:txBody>
-      </p:sp>
-      <p:sp>
-        <p:nvSpPr>
-          <p:cNvPr id="3" name="Content Placeholder 2"/>
-          <p:cNvSpPr>
-            <a:spLocks noGrp="1"/>
-          </p:cNvSpPr>
-          <p:nvPr>
-            <p:ph idx="1"/>
-          </p:nvPr>
-        </p:nvSpPr>
-        <p:spPr/>
-        <p:txBody>
-          <a:bodyPr/>
-          <a:lstStyle/>
+              <a:t>Creates objects for you, and scans the constructor for ‘dependent’ objects.  Creates those too.</a:t>
+            </a:r>
+          </a:p>
           <a:p>
             <a:r>
               <a:rPr lang="en-GB" dirty="0" smtClean="0"/>
-              <a:t>Difficult with </a:t>
-            </a:r>
-            <a:r>
-              <a:rPr lang="en-GB" dirty="0" err="1" smtClean="0"/>
-              <a:t>WebForms</a:t>
-            </a:r>
+              <a:t>Effectively builds an object graph, then instantiates it</a:t>
+            </a:r>
+          </a:p>
+          <a:p>
             <a:r>
               <a:rPr lang="en-GB" dirty="0" smtClean="0"/>
-              <a:t>.  Closed pipeline model, not extensible or pluggable</a:t>
-            </a:r>
-          </a:p>
-          <a:p>
-            <a:r>
-              <a:rPr lang="en-GB" dirty="0" smtClean="0"/>
-              <a:t>MVC is extensible, and pluggable.  </a:t>
-            </a:r>
-          </a:p>
-          <a:p>
-            <a:r>
-              <a:rPr lang="en-GB" dirty="0" smtClean="0"/>
-              <a:t>This also makes MVC easy to test</a:t>
-            </a:r>
+              <a:t>If it finds a Type it does not know about, the process throws an exception</a:t>
+            </a:r>
+          </a:p>
+          <a:p>
             <a:endParaRPr lang="en-GB" dirty="0"/>
           </a:p>
         </p:txBody>
@@ -4584,7 +4749,7 @@
     </p:spTree>
     <p:extLst>
       <p:ext uri="{BB962C8B-B14F-4D97-AF65-F5344CB8AC3E}">
-        <p14:creationId xmlns:p14="http://schemas.microsoft.com/office/powerpoint/2010/main" val="3400923037"/>
+        <p14:creationId xmlns:p14="http://schemas.microsoft.com/office/powerpoint/2010/main" val="2697815459"/>
       </p:ext>
     </p:extLst>
   </p:cSld>
@@ -4640,7 +4805,7 @@
           <a:p>
             <a:r>
               <a:rPr lang="en-GB" dirty="0" smtClean="0"/>
-              <a:t>MVC Pipeline</a:t>
+              <a:t>Object Lifetime</a:t>
             </a:r>
             <a:endParaRPr lang="en-GB" dirty="0"/>
           </a:p>
@@ -4663,35 +4828,49 @@
           <a:p>
             <a:r>
               <a:rPr lang="en-GB" dirty="0" smtClean="0"/>
-              <a:t>MVC has a dependency resolver that is used to create controllers</a:t>
+              <a:t>Each type you want it to create must be registered at start-up with the container</a:t>
             </a:r>
           </a:p>
           <a:p>
             <a:r>
               <a:rPr lang="en-GB" dirty="0" smtClean="0"/>
-              <a:t>It can </a:t>
-            </a:r>
-            <a:r>
-              <a:rPr lang="en-GB" dirty="0"/>
-              <a:t>be replaced with a custom </a:t>
-            </a:r>
+              <a:t>The container needs to know how long the object should live..</a:t>
+            </a:r>
+          </a:p>
+          <a:p>
             <a:r>
               <a:rPr lang="en-GB" dirty="0" smtClean="0"/>
-              <a:t>implementation of </a:t>
-            </a:r>
-            <a:r>
-              <a:rPr lang="en-GB" dirty="0" err="1" smtClean="0"/>
-              <a:t>IDependencyResolver</a:t>
-            </a:r>
+              <a:t>Transient – every time one is asked for, it creates a new one</a:t>
+            </a:r>
+          </a:p>
+          <a:p>
             <a:r>
               <a:rPr lang="en-GB" dirty="0" smtClean="0"/>
-              <a:t>, offloading the responsibility of creating the controller to something else.</a:t>
+              <a:t>Singleton – Creates one, and only one.</a:t>
             </a:r>
           </a:p>
           <a:p>
             <a:r>
               <a:rPr lang="en-GB" dirty="0" smtClean="0"/>
-              <a:t>This is where the IOC container plugs itself into the pipeline and takes responsibility for creating objects and their dependencies</a:t>
+              <a:t>Per Request – in asp.net this will create one per web request, which is equivalent to one per thread.</a:t>
+            </a:r>
+          </a:p>
+          <a:p>
+            <a:r>
+              <a:rPr lang="en-GB" dirty="0" smtClean="0"/>
+              <a:t>Each container </a:t>
+            </a:r>
+            <a:r>
+              <a:rPr lang="en-GB" smtClean="0"/>
+              <a:t>offers its own </a:t>
+            </a:r>
+            <a:r>
+              <a:rPr lang="en-GB" dirty="0" smtClean="0"/>
+              <a:t>variants such as ‘</a:t>
+            </a:r>
+            <a:r>
+              <a:rPr lang="en-GB" smtClean="0"/>
+              <a:t>per graph’</a:t>
             </a:r>
             <a:endParaRPr lang="en-GB" dirty="0"/>
           </a:p>
@@ -4700,7 +4879,7 @@
     </p:spTree>
     <p:extLst>
       <p:ext uri="{BB962C8B-B14F-4D97-AF65-F5344CB8AC3E}">
-        <p14:creationId xmlns:p14="http://schemas.microsoft.com/office/powerpoint/2010/main" val="2160313712"/>
+        <p14:creationId xmlns:p14="http://schemas.microsoft.com/office/powerpoint/2010/main" val="152200012"/>
       </p:ext>
     </p:extLst>
   </p:cSld>
@@ -4756,92 +4935,67 @@
           <a:p>
             <a:r>
               <a:rPr lang="en-GB" dirty="0" smtClean="0"/>
-              <a:t>The MVC Pipeline</a:t>
+              <a:t>How does this fit into </a:t>
+            </a:r>
+            <a:r>
+              <a:rPr lang="en-GB" dirty="0" err="1" smtClean="0"/>
+              <a:t>.net</a:t>
+            </a:r>
+            <a:r>
+              <a:rPr lang="en-GB" dirty="0" smtClean="0"/>
+              <a:t>?</a:t>
             </a:r>
             <a:endParaRPr lang="en-GB" dirty="0"/>
           </a:p>
         </p:txBody>
       </p:sp>
-      <p:pic>
-        <p:nvPicPr>
-          <p:cNvPr id="7" name="Content Placeholder 6"/>
-          <p:cNvPicPr>
-            <a:picLocks noGrp="1" noChangeAspect="1"/>
-          </p:cNvPicPr>
+      <p:sp>
+        <p:nvSpPr>
+          <p:cNvPr id="3" name="Content Placeholder 2"/>
+          <p:cNvSpPr>
+            <a:spLocks noGrp="1"/>
+          </p:cNvSpPr>
           <p:nvPr>
             <p:ph idx="1"/>
           </p:nvPr>
-        </p:nvPicPr>
-        <p:blipFill rotWithShape="1">
-          <a:blip r:embed="rId2">
-            <a:extLst>
-              <a:ext uri="{28A0092B-C50C-407E-A947-70E740481C1C}">
-                <a14:useLocalDpi xmlns:a14="http://schemas.microsoft.com/office/drawing/2010/main" val="0"/>
-              </a:ext>
-            </a:extLst>
-          </a:blip>
-          <a:srcRect r="17663" b="16140"/>
-          <a:stretch/>
-        </p:blipFill>
-        <p:spPr>
-          <a:xfrm>
-            <a:off x="2277988" y="1412777"/>
-            <a:ext cx="5935709" cy="3612448"/>
-          </a:xfrm>
-        </p:spPr>
-      </p:pic>
-      <p:sp>
-        <p:nvSpPr>
-          <p:cNvPr id="8" name="Rectangle 7"/>
-          <p:cNvSpPr/>
-          <p:nvPr/>
-        </p:nvSpPr>
-        <p:spPr>
-          <a:xfrm>
-            <a:off x="6166420" y="4221088"/>
-            <a:ext cx="2376264" cy="914400"/>
-          </a:xfrm>
-          <a:prstGeom prst="rect">
-            <a:avLst/>
-          </a:prstGeom>
-          <a:solidFill>
-            <a:schemeClr val="bg1"/>
-          </a:solidFill>
-          <a:ln>
-            <a:solidFill>
-              <a:schemeClr val="bg1"/>
-            </a:solidFill>
-          </a:ln>
-        </p:spPr>
-        <p:style>
-          <a:lnRef idx="2">
-            <a:schemeClr val="accent1">
-              <a:shade val="50000"/>
-            </a:schemeClr>
-          </a:lnRef>
-          <a:fillRef idx="1">
-            <a:schemeClr val="accent1"/>
-          </a:fillRef>
-          <a:effectRef idx="0">
-            <a:schemeClr val="accent1"/>
-          </a:effectRef>
-          <a:fontRef idx="minor">
-            <a:schemeClr val="lt1"/>
-          </a:fontRef>
-        </p:style>
-        <p:txBody>
-          <a:bodyPr rtlCol="0" anchor="ctr"/>
-          <a:lstStyle/>
-          <a:p>
-            <a:pPr algn="ctr"/>
-            <a:endParaRPr lang="en-GB"/>
+        </p:nvSpPr>
+        <p:spPr/>
+        <p:txBody>
+          <a:bodyPr/>
+          <a:lstStyle/>
+          <a:p>
+            <a:r>
+              <a:rPr lang="en-GB" dirty="0" smtClean="0"/>
+              <a:t>Difficult with </a:t>
+            </a:r>
+            <a:r>
+              <a:rPr lang="en-GB" dirty="0" err="1" smtClean="0"/>
+              <a:t>WebForms</a:t>
+            </a:r>
+            <a:r>
+              <a:rPr lang="en-GB" dirty="0" smtClean="0"/>
+              <a:t>.  Closed pipeline model, not extensible or pluggable</a:t>
+            </a:r>
+          </a:p>
+          <a:p>
+            <a:r>
+              <a:rPr lang="en-GB" dirty="0" smtClean="0"/>
+              <a:t>MVC is extensible, and pluggable.  </a:t>
+            </a:r>
+          </a:p>
+          <a:p>
+            <a:r>
+              <a:rPr lang="en-GB" dirty="0" smtClean="0"/>
+              <a:t>This also makes MVC easy to test</a:t>
+            </a:r>
+            <a:endParaRPr lang="en-GB" dirty="0"/>
           </a:p>
         </p:txBody>
       </p:sp>
     </p:spTree>
     <p:extLst>
       <p:ext uri="{BB962C8B-B14F-4D97-AF65-F5344CB8AC3E}">
-        <p14:creationId xmlns:p14="http://schemas.microsoft.com/office/powerpoint/2010/main" val="3466638845"/>
+        <p14:creationId xmlns:p14="http://schemas.microsoft.com/office/powerpoint/2010/main" val="3400923037"/>
       </p:ext>
     </p:extLst>
   </p:cSld>
@@ -4897,7 +5051,7 @@
           <a:p>
             <a:r>
               <a:rPr lang="en-GB" dirty="0" smtClean="0"/>
-              <a:t>IOC Demo with MVC</a:t>
+              <a:t>MVC Pipeline</a:t>
             </a:r>
             <a:endParaRPr lang="en-GB" dirty="0"/>
           </a:p>
@@ -4920,37 +5074,35 @@
           <a:p>
             <a:r>
               <a:rPr lang="en-GB" dirty="0" smtClean="0"/>
-              <a:t>Container Start up</a:t>
+              <a:t>MVC has a dependency resolver that is used to create controllers</a:t>
             </a:r>
           </a:p>
           <a:p>
             <a:r>
               <a:rPr lang="en-GB" dirty="0" smtClean="0"/>
-              <a:t>Registering types</a:t>
-            </a:r>
-          </a:p>
-          <a:p>
+              <a:t>It can </a:t>
+            </a:r>
+            <a:r>
+              <a:rPr lang="en-GB" dirty="0"/>
+              <a:t>be replaced with a custom </a:t>
+            </a:r>
             <a:r>
               <a:rPr lang="en-GB" dirty="0" smtClean="0"/>
-              <a:t>Object Lifetime</a:t>
-            </a:r>
-          </a:p>
-          <a:p>
+              <a:t>implementation of </a:t>
+            </a:r>
+            <a:r>
+              <a:rPr lang="en-GB" dirty="0" err="1" smtClean="0"/>
+              <a:t>IDependencyResolver</a:t>
+            </a:r>
             <a:r>
               <a:rPr lang="en-GB" dirty="0" smtClean="0"/>
-              <a:t>Decorators</a:t>
+              <a:t>, offloading the responsibility of creating the controller to something else.</a:t>
             </a:r>
           </a:p>
           <a:p>
             <a:r>
               <a:rPr lang="en-GB" dirty="0" smtClean="0"/>
-              <a:t>Open Generics</a:t>
-            </a:r>
-          </a:p>
-          <a:p>
-            <a:r>
-              <a:rPr lang="en-GB" dirty="0" smtClean="0"/>
-              <a:t>Factories with Lambda expressions</a:t>
+              <a:t>This is where the IOC container plugs itself into the pipeline and takes responsibility for creating objects and their dependencies</a:t>
             </a:r>
             <a:endParaRPr lang="en-GB" dirty="0"/>
           </a:p>
@@ -4959,7 +5111,7 @@
     </p:spTree>
     <p:extLst>
       <p:ext uri="{BB962C8B-B14F-4D97-AF65-F5344CB8AC3E}">
-        <p14:creationId xmlns:p14="http://schemas.microsoft.com/office/powerpoint/2010/main" val="3547511908"/>
+        <p14:creationId xmlns:p14="http://schemas.microsoft.com/office/powerpoint/2010/main" val="2160313712"/>
       </p:ext>
     </p:extLst>
   </p:cSld>
@@ -5000,7 +5152,7 @@
       </p:grpSpPr>
       <p:sp>
         <p:nvSpPr>
-          <p:cNvPr id="13" name="Title 12"/>
+          <p:cNvPr id="2" name="Title 1"/>
           <p:cNvSpPr>
             <a:spLocks noGrp="1"/>
           </p:cNvSpPr>
@@ -5014,90 +5166,93 @@
           <a:lstStyle/>
           <a:p>
             <a:r>
-              <a:rPr lang="en-US" dirty="0" smtClean="0"/>
-              <a:t>The SOLID Principles</a:t>
-            </a:r>
-            <a:endParaRPr lang="en-US" dirty="0"/>
-          </a:p>
-        </p:txBody>
-      </p:sp>
-      <p:sp>
-        <p:nvSpPr>
-          <p:cNvPr id="14" name="Content Placeholder 13"/>
-          <p:cNvSpPr>
-            <a:spLocks noGrp="1"/>
-          </p:cNvSpPr>
+              <a:rPr lang="en-GB" dirty="0" smtClean="0"/>
+              <a:t>The MVC Pipeline</a:t>
+            </a:r>
+            <a:endParaRPr lang="en-GB" dirty="0"/>
+          </a:p>
+        </p:txBody>
+      </p:sp>
+      <p:pic>
+        <p:nvPicPr>
+          <p:cNvPr id="7" name="Content Placeholder 6"/>
+          <p:cNvPicPr>
+            <a:picLocks noGrp="1" noChangeAspect="1"/>
+          </p:cNvPicPr>
           <p:nvPr>
             <p:ph idx="1"/>
           </p:nvPr>
-        </p:nvSpPr>
-        <p:spPr/>
-        <p:txBody>
-          <a:bodyPr>
-            <a:normAutofit/>
-          </a:bodyPr>
-          <a:lstStyle/>
-          <a:p>
-            <a:r>
-              <a:rPr lang="en-US" sz="4800" b="1" dirty="0" smtClean="0"/>
-              <a:t>S</a:t>
-            </a:r>
-            <a:r>
-              <a:rPr lang="en-US" sz="4800" dirty="0" smtClean="0"/>
-              <a:t>ingle responsibility</a:t>
-            </a:r>
-          </a:p>
-          <a:p>
-            <a:r>
-              <a:rPr lang="en-US" sz="4800" b="1" dirty="0" smtClean="0"/>
-              <a:t>O</a:t>
-            </a:r>
-            <a:r>
-              <a:rPr lang="en-US" sz="4800" dirty="0" smtClean="0"/>
-              <a:t>pen closed</a:t>
-            </a:r>
-          </a:p>
-          <a:p>
-            <a:r>
-              <a:rPr lang="en-US" sz="4800" b="1" dirty="0" err="1" smtClean="0"/>
-              <a:t>L</a:t>
-            </a:r>
-            <a:r>
-              <a:rPr lang="en-US" sz="4800" dirty="0" err="1" smtClean="0"/>
-              <a:t>iskov</a:t>
-            </a:r>
-            <a:r>
-              <a:rPr lang="en-US" sz="4800" dirty="0" smtClean="0"/>
-              <a:t> substitution</a:t>
-            </a:r>
-          </a:p>
-          <a:p>
-            <a:r>
-              <a:rPr lang="en-US" sz="4800" b="1" dirty="0" smtClean="0"/>
-              <a:t>I</a:t>
-            </a:r>
-            <a:r>
-              <a:rPr lang="en-US" sz="4800" dirty="0" smtClean="0"/>
-              <a:t>nterface segregation </a:t>
-            </a:r>
-          </a:p>
-          <a:p>
-            <a:r>
-              <a:rPr lang="en-US" sz="4800" b="1" dirty="0" smtClean="0"/>
-              <a:t>D</a:t>
-            </a:r>
-            <a:r>
-              <a:rPr lang="en-US" sz="4800" dirty="0" smtClean="0"/>
-              <a:t>ependency Inversion</a:t>
-            </a:r>
-            <a:endParaRPr lang="en-US" sz="4800" dirty="0"/>
+        </p:nvPicPr>
+        <p:blipFill rotWithShape="1">
+          <a:blip r:embed="rId2">
+            <a:extLst>
+              <a:ext uri="{28A0092B-C50C-407E-A947-70E740481C1C}">
+                <a14:useLocalDpi xmlns:a14="http://schemas.microsoft.com/office/drawing/2010/main" val="0"/>
+              </a:ext>
+            </a:extLst>
+          </a:blip>
+          <a:srcRect r="17663" b="16140"/>
+          <a:stretch/>
+        </p:blipFill>
+        <p:spPr>
+          <a:xfrm>
+            <a:off x="2277988" y="1412777"/>
+            <a:ext cx="5935709" cy="3612448"/>
+          </a:xfrm>
+        </p:spPr>
+      </p:pic>
+      <p:sp>
+        <p:nvSpPr>
+          <p:cNvPr id="8" name="Rectangle 7"/>
+          <p:cNvSpPr/>
+          <p:nvPr/>
+        </p:nvSpPr>
+        <p:spPr>
+          <a:xfrm>
+            <a:off x="6166420" y="4221088"/>
+            <a:ext cx="2376264" cy="914400"/>
+          </a:xfrm>
+          <a:prstGeom prst="rect">
+            <a:avLst/>
+          </a:prstGeom>
+          <a:solidFill>
+            <a:schemeClr val="bg1"/>
+          </a:solidFill>
+          <a:ln>
+            <a:solidFill>
+              <a:schemeClr val="bg1"/>
+            </a:solidFill>
+          </a:ln>
+        </p:spPr>
+        <p:style>
+          <a:lnRef idx="2">
+            <a:schemeClr val="accent1">
+              <a:shade val="50000"/>
+            </a:schemeClr>
+          </a:lnRef>
+          <a:fillRef idx="1">
+            <a:schemeClr val="accent1"/>
+          </a:fillRef>
+          <a:effectRef idx="0">
+            <a:schemeClr val="accent1"/>
+          </a:effectRef>
+          <a:fontRef idx="minor">
+            <a:schemeClr val="lt1"/>
+          </a:fontRef>
+        </p:style>
+        <p:txBody>
+          <a:bodyPr rtlCol="0" anchor="ctr"/>
+          <a:lstStyle/>
+          <a:p>
+            <a:pPr algn="ctr"/>
+            <a:endParaRPr lang="en-GB"/>
           </a:p>
         </p:txBody>
       </p:sp>
     </p:spTree>
     <p:extLst>
       <p:ext uri="{BB962C8B-B14F-4D97-AF65-F5344CB8AC3E}">
-        <p14:creationId xmlns:p14="http://schemas.microsoft.com/office/powerpoint/2010/main" val="1437231395"/>
+        <p14:creationId xmlns:p14="http://schemas.microsoft.com/office/powerpoint/2010/main" val="3466638845"/>
       </p:ext>
     </p:extLst>
   </p:cSld>
@@ -5116,13 +5271,6 @@
       </p:transition>
     </mc:Fallback>
   </mc:AlternateContent>
-  <p:timing>
-    <p:tnLst>
-      <p:par>
-        <p:cTn id="1" dur="indefinite" restart="never" nodeType="tmRoot"/>
-      </p:par>
-    </p:tnLst>
-  </p:timing>
 </p:sld>
 </file>
 
@@ -5143,40 +5291,86 @@
           <a:chExt cx="0" cy="0"/>
         </a:xfrm>
       </p:grpSpPr>
-      <p:pic>
-        <p:nvPicPr>
-          <p:cNvPr id="4" name="Picture 3"/>
-          <p:cNvPicPr>
-            <a:picLocks noChangeAspect="1"/>
-          </p:cNvPicPr>
-          <p:nvPr/>
-        </p:nvPicPr>
-        <p:blipFill>
-          <a:blip r:embed="rId2">
-            <a:extLst>
-              <a:ext uri="{28A0092B-C50C-407E-A947-70E740481C1C}">
-                <a14:useLocalDpi xmlns:a14="http://schemas.microsoft.com/office/drawing/2010/main" val="0"/>
-              </a:ext>
-            </a:extLst>
-          </a:blip>
-          <a:stretch>
-            <a:fillRect/>
-          </a:stretch>
-        </p:blipFill>
-        <p:spPr>
-          <a:xfrm>
-            <a:off x="2205980" y="476672"/>
-            <a:ext cx="7620000" cy="5715000"/>
-          </a:xfrm>
-          <a:prstGeom prst="rect">
-            <a:avLst/>
-          </a:prstGeom>
-        </p:spPr>
-      </p:pic>
+      <p:sp>
+        <p:nvSpPr>
+          <p:cNvPr id="2" name="Title 1"/>
+          <p:cNvSpPr>
+            <a:spLocks noGrp="1"/>
+          </p:cNvSpPr>
+          <p:nvPr>
+            <p:ph type="title"/>
+          </p:nvPr>
+        </p:nvSpPr>
+        <p:spPr/>
+        <p:txBody>
+          <a:bodyPr/>
+          <a:lstStyle/>
+          <a:p>
+            <a:r>
+              <a:rPr lang="en-GB" dirty="0" smtClean="0"/>
+              <a:t>IOC Demo with MVC</a:t>
+            </a:r>
+            <a:endParaRPr lang="en-GB" dirty="0"/>
+          </a:p>
+        </p:txBody>
+      </p:sp>
+      <p:sp>
+        <p:nvSpPr>
+          <p:cNvPr id="3" name="Content Placeholder 2"/>
+          <p:cNvSpPr>
+            <a:spLocks noGrp="1"/>
+          </p:cNvSpPr>
+          <p:nvPr>
+            <p:ph idx="1"/>
+          </p:nvPr>
+        </p:nvSpPr>
+        <p:spPr/>
+        <p:txBody>
+          <a:bodyPr/>
+          <a:lstStyle/>
+          <a:p>
+            <a:r>
+              <a:rPr lang="en-GB" dirty="0" smtClean="0"/>
+              <a:t>Container Start up</a:t>
+            </a:r>
+          </a:p>
+          <a:p>
+            <a:r>
+              <a:rPr lang="en-GB" dirty="0" smtClean="0"/>
+              <a:t>Registering types</a:t>
+            </a:r>
+          </a:p>
+          <a:p>
+            <a:r>
+              <a:rPr lang="en-GB" dirty="0" smtClean="0"/>
+              <a:t>Object Lifetime</a:t>
+            </a:r>
+          </a:p>
+          <a:p>
+            <a:r>
+              <a:rPr lang="en-GB" dirty="0" smtClean="0"/>
+              <a:t>Decorators</a:t>
+            </a:r>
+          </a:p>
+          <a:p>
+            <a:r>
+              <a:rPr lang="en-GB" dirty="0" smtClean="0"/>
+              <a:t>Open Generics</a:t>
+            </a:r>
+          </a:p>
+          <a:p>
+            <a:r>
+              <a:rPr lang="en-GB" dirty="0" smtClean="0"/>
+              <a:t>Factories with Lambda expressions</a:t>
+            </a:r>
+            <a:endParaRPr lang="en-GB" dirty="0"/>
+          </a:p>
+        </p:txBody>
+      </p:sp>
     </p:spTree>
     <p:extLst>
       <p:ext uri="{BB962C8B-B14F-4D97-AF65-F5344CB8AC3E}">
-        <p14:creationId xmlns:p14="http://schemas.microsoft.com/office/powerpoint/2010/main" val="4131172139"/>
+        <p14:creationId xmlns:p14="http://schemas.microsoft.com/office/powerpoint/2010/main" val="3547511908"/>
       </p:ext>
     </p:extLst>
   </p:cSld>
